--- a/Node_ERP_V2/document/ERP_포트폴리오.pptx
+++ b/Node_ERP_V2/document/ERP_포트폴리오.pptx
@@ -5,7 +5,7 @@
     <p:sldMasterId id="2147483648" r:id="rId1"/>
   </p:sldMasterIdLst>
   <p:notesMasterIdLst>
-    <p:notesMasterId r:id="rId9"/>
+    <p:notesMasterId r:id="rId10"/>
   </p:notesMasterIdLst>
   <p:sldIdLst>
     <p:sldId id="256" r:id="rId2"/>
@@ -15,6 +15,7 @@
     <p:sldId id="262" r:id="rId6"/>
     <p:sldId id="258" r:id="rId7"/>
     <p:sldId id="261" r:id="rId8"/>
+    <p:sldId id="263" r:id="rId9"/>
   </p:sldIdLst>
   <p:sldSz cx="12192000" cy="6858000"/>
   <p:notesSz cx="6858000" cy="9144000"/>
@@ -3104,10 +3105,10 @@
       </p:sp>
       <p:pic>
         <p:nvPicPr>
-          <p:cNvPr id="4" name="그림 3">
-            <a:extLst>
-              <a:ext uri="{FF2B5EF4-FFF2-40B4-BE49-F238E27FC236}">
-                <a16:creationId xmlns:a16="http://schemas.microsoft.com/office/drawing/2014/main" id="{BF40DBB7-C054-C763-3F38-DDEE2989BB88}"/>
+          <p:cNvPr id="5" name="그림 4">
+            <a:extLst>
+              <a:ext uri="{FF2B5EF4-FFF2-40B4-BE49-F238E27FC236}">
+                <a16:creationId xmlns:a16="http://schemas.microsoft.com/office/drawing/2014/main" id="{CF6EC1C5-FC38-717E-5613-84ED5224A31E}"/>
               </a:ext>
             </a:extLst>
           </p:cNvPr>
@@ -3130,8 +3131,8 @@
         </p:blipFill>
         <p:spPr>
           <a:xfrm>
-            <a:off x="838200" y="1557076"/>
-            <a:ext cx="9569824" cy="4178823"/>
+            <a:off x="838199" y="1462310"/>
+            <a:ext cx="8879541" cy="5018871"/>
           </a:xfrm>
           <a:prstGeom prst="rect">
             <a:avLst/>
@@ -3338,6 +3339,104 @@
     <p:extLst>
       <p:ext uri="{BB962C8B-B14F-4D97-AF65-F5344CB8AC3E}">
         <p14:creationId xmlns:p14="http://schemas.microsoft.com/office/powerpoint/2010/main" val="1107902174"/>
+      </p:ext>
+    </p:extLst>
+  </p:cSld>
+  <p:clrMapOvr>
+    <a:masterClrMapping/>
+  </p:clrMapOvr>
+</p:sld>
+</file>
+
+<file path=ppt/slides/slide8.xml><?xml version="1.0" encoding="utf-8"?>
+<p:sld xmlns:a="http://schemas.openxmlformats.org/drawingml/2006/main" xmlns:r="http://schemas.openxmlformats.org/officeDocument/2006/relationships" xmlns:p="http://schemas.openxmlformats.org/presentationml/2006/main">
+  <p:cSld>
+    <p:spTree>
+      <p:nvGrpSpPr>
+        <p:cNvPr id="1" name=""/>
+        <p:cNvGrpSpPr/>
+        <p:nvPr/>
+      </p:nvGrpSpPr>
+      <p:grpSpPr>
+        <a:xfrm>
+          <a:off x="0" y="0"/>
+          <a:ext cx="0" cy="0"/>
+          <a:chOff x="0" y="0"/>
+          <a:chExt cx="0" cy="0"/>
+        </a:xfrm>
+      </p:grpSpPr>
+      <p:sp>
+        <p:nvSpPr>
+          <p:cNvPr id="2" name="제목 1">
+            <a:extLst>
+              <a:ext uri="{FF2B5EF4-FFF2-40B4-BE49-F238E27FC236}">
+                <a16:creationId xmlns:a16="http://schemas.microsoft.com/office/drawing/2014/main" id="{E7C2BCB8-2EE1-2469-F928-F2BF009C1244}"/>
+              </a:ext>
+            </a:extLst>
+          </p:cNvPr>
+          <p:cNvSpPr>
+            <a:spLocks noGrp="1"/>
+          </p:cNvSpPr>
+          <p:nvPr>
+            <p:ph type="title"/>
+          </p:nvPr>
+        </p:nvSpPr>
+        <p:spPr/>
+        <p:txBody>
+          <a:bodyPr/>
+          <a:lstStyle/>
+          <a:p>
+            <a:r>
+              <a:rPr lang="en-US" altLang="ko-KR" dirty="0"/>
+              <a:t>ERD-</a:t>
+            </a:r>
+            <a:r>
+              <a:rPr lang="ko-KR" altLang="en-US" dirty="0"/>
+              <a:t>상품정보</a:t>
+            </a:r>
+          </a:p>
+        </p:txBody>
+      </p:sp>
+      <p:pic>
+        <p:nvPicPr>
+          <p:cNvPr id="4" name="그림 3">
+            <a:extLst>
+              <a:ext uri="{FF2B5EF4-FFF2-40B4-BE49-F238E27FC236}">
+                <a16:creationId xmlns:a16="http://schemas.microsoft.com/office/drawing/2014/main" id="{EC0F6508-60FD-8C92-4A0F-A3A6F4B3DC03}"/>
+              </a:ext>
+            </a:extLst>
+          </p:cNvPr>
+          <p:cNvPicPr>
+            <a:picLocks noChangeAspect="1"/>
+          </p:cNvPicPr>
+          <p:nvPr/>
+        </p:nvPicPr>
+        <p:blipFill>
+          <a:blip r:embed="rId2">
+            <a:extLst>
+              <a:ext uri="{28A0092B-C50C-407E-A947-70E740481C1C}">
+                <a14:useLocalDpi xmlns:a14="http://schemas.microsoft.com/office/drawing/2010/main" val="0"/>
+              </a:ext>
+            </a:extLst>
+          </a:blip>
+          <a:stretch>
+            <a:fillRect/>
+          </a:stretch>
+        </p:blipFill>
+        <p:spPr>
+          <a:xfrm>
+            <a:off x="838200" y="1604771"/>
+            <a:ext cx="5768788" cy="4159906"/>
+          </a:xfrm>
+          <a:prstGeom prst="rect">
+            <a:avLst/>
+          </a:prstGeom>
+        </p:spPr>
+      </p:pic>
+    </p:spTree>
+    <p:extLst>
+      <p:ext uri="{BB962C8B-B14F-4D97-AF65-F5344CB8AC3E}">
+        <p14:creationId xmlns:p14="http://schemas.microsoft.com/office/powerpoint/2010/main" val="1560097517"/>
       </p:ext>
     </p:extLst>
   </p:cSld>
